--- a/Final/Bitcoin Slides_SH.pptx
+++ b/Final/Bitcoin Slides_SH.pptx
@@ -4563,7 +4563,7 @@
         <p:spPr/>
         <p:txBody>
           <a:bodyPr>
-            <a:normAutofit lnSpcReduction="10000"/>
+            <a:normAutofit fontScale="92500"/>
           </a:bodyPr>
           <a:lstStyle/>
           <a:p>
@@ -4598,7 +4598,7 @@
             </a:r>
             <a:r>
               <a:rPr lang="en-US" dirty="0"/>
-              <a:t>$ 1,000 change.</a:t>
+              <a:t>$ 1,000 change per day.</a:t>
             </a:r>
           </a:p>
           <a:p>

--- a/Final/Bitcoin Slides_SH.pptx
+++ b/Final/Bitcoin Slides_SH.pptx
@@ -3399,7 +3399,7 @@
           <a:p>
             <a:r>
               <a:rPr lang="en-US" sz="2000" dirty="0" err="1"/>
-              <a:t>SeoHong</a:t>
+              <a:t>Seohong</a:t>
             </a:r>
             <a:r>
               <a:rPr lang="en-US" sz="2000" dirty="0"/>

--- a/Final/Bitcoin Slides_SH.pptx
+++ b/Final/Bitcoin Slides_SH.pptx
@@ -4755,7 +4755,7 @@
           <a:p>
             <a:r>
               <a:rPr lang="en-US" dirty="0"/>
-              <a:t>Bitcoin trading tend to occur for three days against the bit coin price fluctuations.</a:t>
+              <a:t>People tend to stay in trading for three days against the bit coin price fluctuations.</a:t>
             </a:r>
           </a:p>
         </p:txBody>
